--- a/FullDemo/jQueryPresentation.pptx
+++ b/FullDemo/jQueryPresentation.pptx
@@ -11,12 +11,11 @@
     <p:sldId id="257" r:id="rId5"/>
     <p:sldId id="258" r:id="rId6"/>
     <p:sldId id="265" r:id="rId7"/>
-    <p:sldId id="259" r:id="rId8"/>
-    <p:sldId id="260" r:id="rId9"/>
-    <p:sldId id="261" r:id="rId10"/>
-    <p:sldId id="262" r:id="rId11"/>
-    <p:sldId id="263" r:id="rId12"/>
-    <p:sldId id="264" r:id="rId13"/>
+    <p:sldId id="260" r:id="rId8"/>
+    <p:sldId id="261" r:id="rId9"/>
+    <p:sldId id="262" r:id="rId10"/>
+    <p:sldId id="263" r:id="rId11"/>
+    <p:sldId id="264" r:id="rId12"/>
   </p:sldIdLst>
   <p:sldSz cx="9144000" cy="5143500" type="screen16x9"/>
   <p:notesSz cx="6858000" cy="9144000"/>
@@ -4907,127 +4906,6 @@
 </p:sld>
 </file>
 
-<file path=ppt/slides/slide10.xml><?xml version="1.0" encoding="utf-8"?>
-<p:sld xmlns:a="http://schemas.openxmlformats.org/drawingml/2006/main" xmlns:r="http://schemas.openxmlformats.org/officeDocument/2006/relationships" xmlns:p="http://schemas.openxmlformats.org/presentationml/2006/main">
-  <p:cSld>
-    <p:spTree>
-      <p:nvGrpSpPr>
-        <p:cNvPr id="1" name=""/>
-        <p:cNvGrpSpPr/>
-        <p:nvPr/>
-      </p:nvGrpSpPr>
-      <p:grpSpPr>
-        <a:xfrm>
-          <a:off x="0" y="0"/>
-          <a:ext cx="0" cy="0"/>
-          <a:chOff x="0" y="0"/>
-          <a:chExt cx="0" cy="0"/>
-        </a:xfrm>
-      </p:grpSpPr>
-      <p:sp>
-        <p:nvSpPr>
-          <p:cNvPr id="136" name="TextShape 1"/>
-          <p:cNvSpPr txBox="1"/>
-          <p:nvPr/>
-        </p:nvSpPr>
-        <p:spPr>
-          <a:xfrm>
-            <a:off x="457200" y="205920"/>
-            <a:ext cx="8229240" cy="857160"/>
-          </a:xfrm>
-          <a:prstGeom prst="rect">
-            <a:avLst/>
-          </a:prstGeom>
-        </p:spPr>
-        <p:txBody>
-          <a:bodyPr tIns="91440" bIns="91440" anchor="b"/>
-          <a:lstStyle/>
-          <a:p>
-            <a:endParaRPr/>
-          </a:p>
-        </p:txBody>
-      </p:sp>
-      <p:sp>
-        <p:nvSpPr>
-          <p:cNvPr id="137" name="TextShape 2"/>
-          <p:cNvSpPr txBox="1"/>
-          <p:nvPr/>
-        </p:nvSpPr>
-        <p:spPr>
-          <a:xfrm>
-            <a:off x="457200" y="1200240"/>
-            <a:ext cx="8229240" cy="3725280"/>
-          </a:xfrm>
-          <a:prstGeom prst="rect">
-            <a:avLst/>
-          </a:prstGeom>
-        </p:spPr>
-        <p:txBody>
-          <a:bodyPr tIns="91440" bIns="91440"/>
-          <a:lstStyle/>
-          <a:p>
-            <a:pPr algn="ctr">
-              <a:lnSpc>
-                <a:spcPct val="100000"/>
-              </a:lnSpc>
-            </a:pPr>
-            <a:endParaRPr/>
-          </a:p>
-          <a:p>
-            <a:pPr algn="ctr">
-              <a:lnSpc>
-                <a:spcPct val="100000"/>
-              </a:lnSpc>
-            </a:pPr>
-            <a:r>
-              <a:rPr lang="en-CA" sz="6000">
-                <a:solidFill>
-                  <a:srgbClr val="000000"/>
-                </a:solidFill>
-                <a:latin typeface="Arial"/>
-                <a:ea typeface="Arial"/>
-              </a:rPr>
-              <a:t>Any Questions?</a:t>
-            </a:r>
-            <a:endParaRPr/>
-          </a:p>
-        </p:txBody>
-      </p:sp>
-    </p:spTree>
-  </p:cSld>
-  <p:clrMapOvr>
-    <a:masterClrMapping/>
-  </p:clrMapOvr>
-  <p:timing>
-    <p:tnLst>
-      <p:par>
-        <p:cTn id="1" dur="indefinite" restart="never" nodeType="tmRoot">
-          <p:childTnLst>
-            <p:seq>
-              <p:cTn id="2" nodeType="mainSeq"/>
-              <p:prevCondLst>
-                <p:cond evt="onPrev" delay="0">
-                  <p:tgtEl>
-                    <p:sldTgt/>
-                  </p:tgtEl>
-                </p:cond>
-              </p:prevCondLst>
-              <p:nextCondLst>
-                <p:cond evt="onNext" delay="0">
-                  <p:tgtEl>
-                    <p:sldTgt/>
-                  </p:tgtEl>
-                </p:cond>
-              </p:nextCondLst>
-            </p:seq>
-          </p:childTnLst>
-        </p:cTn>
-      </p:par>
-    </p:tnLst>
-  </p:timing>
-</p:sld>
-</file>
-
 <file path=ppt/slides/slide2.xml><?xml version="1.0" encoding="utf-8"?>
 <p:sld xmlns:a="http://schemas.openxmlformats.org/drawingml/2006/main" xmlns:r="http://schemas.openxmlformats.org/officeDocument/2006/relationships" xmlns:p="http://schemas.openxmlformats.org/presentationml/2006/main">
   <p:cSld>
@@ -5344,13 +5222,6 @@
               </a:rPr>
               <a:t>/query-2.1.4.js”&gt;&lt;/script&gt;</a:t>
             </a:r>
-            <a:endParaRPr lang="en-CA" sz="3000" dirty="0" smtClean="0">
-              <a:solidFill>
-                <a:srgbClr val="000000"/>
-              </a:solidFill>
-              <a:latin typeface="Arial"/>
-              <a:ea typeface="Arial"/>
-            </a:endParaRPr>
           </a:p>
           <a:p>
             <a:pPr>
@@ -5582,61 +5453,7 @@
                 </a:solidFill>
                 <a:ea typeface="Arial"/>
               </a:rPr>
-              <a:t>One line </a:t>
-            </a:r>
-            <a:r>
-              <a:rPr lang="en-CA" sz="2800" dirty="0">
-                <a:solidFill>
-                  <a:srgbClr val="000000"/>
-                </a:solidFill>
-                <a:ea typeface="Arial"/>
-              </a:rPr>
-              <a:t>of </a:t>
-            </a:r>
-            <a:r>
-              <a:rPr lang="en-CA" sz="2800" dirty="0" err="1">
-                <a:solidFill>
-                  <a:srgbClr val="000000"/>
-                </a:solidFill>
-                <a:ea typeface="Arial"/>
-              </a:rPr>
-              <a:t>jQuery</a:t>
-            </a:r>
-            <a:r>
-              <a:rPr lang="en-CA" sz="2800" dirty="0">
-                <a:solidFill>
-                  <a:srgbClr val="000000"/>
-                </a:solidFill>
-                <a:ea typeface="Arial"/>
-              </a:rPr>
-              <a:t> code = many lines </a:t>
-            </a:r>
-            <a:r>
-              <a:rPr lang="en-CA" sz="2800" dirty="0" smtClean="0">
-                <a:solidFill>
-                  <a:srgbClr val="000000"/>
-                </a:solidFill>
-                <a:ea typeface="Arial"/>
-              </a:rPr>
-              <a:t>of </a:t>
-            </a:r>
-            <a:r>
-              <a:rPr lang="en-CA" sz="2800" dirty="0">
-                <a:solidFill>
-                  <a:srgbClr val="000000"/>
-                </a:solidFill>
-                <a:ea typeface="Arial"/>
-              </a:rPr>
-              <a:t>JS </a:t>
-            </a:r>
-            <a:r>
-              <a:rPr lang="en-CA" sz="2800" dirty="0" smtClean="0">
-                <a:solidFill>
-                  <a:srgbClr val="000000"/>
-                </a:solidFill>
-                <a:ea typeface="Arial"/>
-              </a:rPr>
-              <a:t>code.</a:t>
+              <a:t>One line of jQuery code = many lines of JS code.</a:t>
             </a:r>
           </a:p>
           <a:p>
@@ -5644,8 +5461,6 @@
               <a:lnSpc>
                 <a:spcPct val="100000"/>
               </a:lnSpc>
-              <a:buFont typeface="Arial"/>
-              <a:buChar char="●"/>
             </a:pPr>
             <a:r>
               <a:rPr lang="en-CA" sz="2800" dirty="0" smtClean="0">
@@ -5654,7 +5469,7 @@
                 </a:solidFill>
                 <a:ea typeface="Arial"/>
               </a:rPr>
-              <a:t>“Write less, do more.”</a:t>
+              <a:t>	- “Write less, do more.”</a:t>
             </a:r>
             <a:endParaRPr lang="en-CA" sz="2800" dirty="0" smtClean="0">
               <a:solidFill>
@@ -5697,8 +5512,8 @@
         </p:blipFill>
         <p:spPr>
           <a:xfrm>
-            <a:off x="4211960" y="3075806"/>
-            <a:ext cx="4474480" cy="1849714"/>
+            <a:off x="4716016" y="3215280"/>
+            <a:ext cx="3970424" cy="1710240"/>
           </a:xfrm>
           <a:prstGeom prst="rect">
             <a:avLst/>
@@ -5922,19 +5737,9 @@
                 <a:latin typeface="Arial"/>
                 <a:ea typeface="Arial"/>
               </a:rPr>
-              <a:t> Effects </a:t>
-            </a:r>
-            <a:r>
-              <a:rPr lang="en-CA" sz="3000" dirty="0">
-                <a:solidFill>
-                  <a:srgbClr val="000000"/>
-                </a:solidFill>
-                <a:latin typeface="Arial"/>
-                <a:ea typeface="Arial"/>
-              </a:rPr>
-              <a:t>and animations</a:t>
-            </a:r>
-            <a:endParaRPr dirty="0"/>
+              <a:t> Effects and animations</a:t>
+            </a:r>
+            <a:endParaRPr dirty="0" smtClean="0"/>
           </a:p>
           <a:p>
             <a:pPr>
@@ -5952,19 +5757,9 @@
                 <a:latin typeface="Arial"/>
                 <a:ea typeface="Arial"/>
               </a:rPr>
-              <a:t> AJAX </a:t>
-            </a:r>
-            <a:r>
-              <a:rPr lang="en-CA" sz="3000" dirty="0">
-                <a:solidFill>
-                  <a:srgbClr val="000000"/>
-                </a:solidFill>
-                <a:latin typeface="Arial"/>
-                <a:ea typeface="Arial"/>
-              </a:rPr>
-              <a:t>interactions</a:t>
-            </a:r>
-            <a:endParaRPr dirty="0"/>
+              <a:t> AJAX interactions</a:t>
+            </a:r>
+            <a:endParaRPr dirty="0" smtClean="0"/>
           </a:p>
           <a:p>
             <a:pPr>
@@ -5982,19 +5777,9 @@
                 <a:latin typeface="Arial"/>
                 <a:ea typeface="Arial"/>
               </a:rPr>
-              <a:t> Limited </a:t>
-            </a:r>
-            <a:r>
-              <a:rPr lang="en-CA" sz="3000" dirty="0">
-                <a:solidFill>
-                  <a:srgbClr val="000000"/>
-                </a:solidFill>
-                <a:latin typeface="Arial"/>
-                <a:ea typeface="Arial"/>
-              </a:rPr>
-              <a:t>programming skills</a:t>
-            </a:r>
-            <a:endParaRPr dirty="0"/>
+              <a:t> Limited programming skills</a:t>
+            </a:r>
+            <a:endParaRPr dirty="0" smtClean="0"/>
           </a:p>
           <a:p>
             <a:pPr>
@@ -6012,17 +5797,7 @@
                 <a:latin typeface="Arial"/>
                 <a:ea typeface="Arial"/>
               </a:rPr>
-              <a:t> Time </a:t>
-            </a:r>
-            <a:r>
-              <a:rPr lang="en-CA" sz="3000" dirty="0">
-                <a:solidFill>
-                  <a:srgbClr val="000000"/>
-                </a:solidFill>
-                <a:latin typeface="Arial"/>
-                <a:ea typeface="Arial"/>
-              </a:rPr>
-              <a:t>saving</a:t>
+              <a:t> Time saving</a:t>
             </a:r>
             <a:endParaRPr dirty="0"/>
           </a:p>
@@ -6082,7 +5857,7 @@
       </p:grpSpPr>
       <p:sp>
         <p:nvSpPr>
-          <p:cNvPr id="125" name="TextShape 1"/>
+          <p:cNvPr id="127" name="TextShape 1"/>
           <p:cNvSpPr txBox="1"/>
           <p:nvPr/>
         </p:nvSpPr>
@@ -6112,22 +5887,22 @@
                 <a:latin typeface="Arial"/>
                 <a:ea typeface="Arial"/>
               </a:rPr>
-              <a:t>jQuery Effects and Animation</a:t>
-            </a:r>
-            <a:endParaRPr/>
-          </a:p>
-        </p:txBody>
-      </p:sp>
-      <p:sp>
-        <p:nvSpPr>
-          <p:cNvPr id="126" name="TextShape 2"/>
+              <a:t>Usages</a:t>
+            </a:r>
+            <a:endParaRPr/>
+          </a:p>
+        </p:txBody>
+      </p:sp>
+      <p:sp>
+        <p:nvSpPr>
+          <p:cNvPr id="128" name="TextShape 2"/>
           <p:cNvSpPr txBox="1"/>
           <p:nvPr/>
         </p:nvSpPr>
         <p:spPr>
           <a:xfrm>
             <a:off x="457200" y="1200240"/>
-            <a:ext cx="8229240" cy="3725280"/>
+            <a:ext cx="3994200" cy="3725280"/>
           </a:xfrm>
           <a:prstGeom prst="rect">
             <a:avLst/>
@@ -6145,36 +5920,25 @@
               <a:buChar char="●"/>
             </a:pPr>
             <a:r>
-              <a:rPr lang="en-CA" sz="3000" dirty="0" smtClean="0">
-                <a:solidFill>
-                  <a:srgbClr val="000000"/>
-                </a:solidFill>
-                <a:latin typeface="Arial"/>
-                <a:ea typeface="Arial"/>
-              </a:rPr>
-              <a:t> Scroll</a:t>
-            </a:r>
-            <a:r>
-              <a:rPr lang="en-CA" sz="3000" dirty="0">
-                <a:solidFill>
-                  <a:srgbClr val="000000"/>
-                </a:solidFill>
-                <a:latin typeface="Arial"/>
-                <a:ea typeface="Arial"/>
-              </a:rPr>
-              <a:t>, fade in, fade out, fade to, zoom, </a:t>
-            </a:r>
-            <a:r>
-              <a:rPr lang="en-CA" sz="3000" dirty="0" smtClean="0">
-                <a:solidFill>
-                  <a:srgbClr val="000000"/>
-                </a:solidFill>
-                <a:latin typeface="Arial"/>
-                <a:ea typeface="Arial"/>
-              </a:rPr>
-              <a:t>draw</a:t>
-            </a:r>
-            <a:endParaRPr dirty="0"/>
+              <a:rPr lang="en-CA" dirty="0">
+                <a:solidFill>
+                  <a:srgbClr val="000000"/>
+                </a:solidFill>
+                <a:latin typeface="Arial"/>
+                <a:ea typeface="Arial"/>
+              </a:rPr>
+              <a:t>Photo </a:t>
+            </a:r>
+            <a:r>
+              <a:rPr lang="en-CA" dirty="0" smtClean="0">
+                <a:solidFill>
+                  <a:srgbClr val="000000"/>
+                </a:solidFill>
+                <a:latin typeface="Arial"/>
+                <a:ea typeface="Arial"/>
+              </a:rPr>
+              <a:t>slideshows</a:t>
+            </a:r>
           </a:p>
           <a:p>
             <a:pPr>
@@ -6185,24 +5949,24 @@
               <a:buChar char="●"/>
             </a:pPr>
             <a:r>
-              <a:rPr lang="en-CA" sz="3000" dirty="0" smtClean="0">
-                <a:solidFill>
-                  <a:srgbClr val="000000"/>
-                </a:solidFill>
-                <a:latin typeface="Arial"/>
-                <a:ea typeface="Arial"/>
-              </a:rPr>
-              <a:t> Show</a:t>
-            </a:r>
-            <a:r>
-              <a:rPr lang="en-CA" sz="3000" dirty="0">
-                <a:solidFill>
-                  <a:srgbClr val="000000"/>
-                </a:solidFill>
-                <a:latin typeface="Arial"/>
-                <a:ea typeface="Arial"/>
-              </a:rPr>
-              <a:t>, hide toggle</a:t>
+              <a:rPr lang="en-CA" dirty="0" smtClean="0">
+                <a:solidFill>
+                  <a:srgbClr val="000000"/>
+                </a:solidFill>
+                <a:latin typeface="Arial"/>
+                <a:ea typeface="Arial"/>
+              </a:rPr>
+              <a:t>Photo </a:t>
+            </a:r>
+            <a:r>
+              <a:rPr lang="en-CA" dirty="0">
+                <a:solidFill>
+                  <a:srgbClr val="000000"/>
+                </a:solidFill>
+                <a:latin typeface="Arial"/>
+                <a:ea typeface="Arial"/>
+              </a:rPr>
+              <a:t>galleries</a:t>
             </a:r>
             <a:endParaRPr dirty="0"/>
           </a:p>
@@ -6215,24 +5979,14 @@
               <a:buChar char="●"/>
             </a:pPr>
             <a:r>
-              <a:rPr lang="en-CA" sz="3000" dirty="0" smtClean="0">
-                <a:solidFill>
-                  <a:srgbClr val="000000"/>
-                </a:solidFill>
-                <a:latin typeface="Arial"/>
-                <a:ea typeface="Arial"/>
-              </a:rPr>
-              <a:t> Slide </a:t>
-            </a:r>
-            <a:r>
-              <a:rPr lang="en-CA" sz="3000" dirty="0">
-                <a:solidFill>
-                  <a:srgbClr val="000000"/>
-                </a:solidFill>
-                <a:latin typeface="Arial"/>
-                <a:ea typeface="Arial"/>
-              </a:rPr>
-              <a:t>up, slide down, slide toggle</a:t>
+              <a:rPr lang="en-CA" dirty="0">
+                <a:solidFill>
+                  <a:srgbClr val="000000"/>
+                </a:solidFill>
+                <a:latin typeface="Arial"/>
+                <a:ea typeface="Arial"/>
+              </a:rPr>
+              <a:t>Manipulating images by cropping and resizing</a:t>
             </a:r>
             <a:endParaRPr dirty="0"/>
           </a:p>
@@ -6245,24 +5999,14 @@
               <a:buChar char="●"/>
             </a:pPr>
             <a:r>
-              <a:rPr lang="en-CA" sz="3000" dirty="0" smtClean="0">
-                <a:solidFill>
-                  <a:srgbClr val="000000"/>
-                </a:solidFill>
-                <a:latin typeface="Arial"/>
-                <a:ea typeface="Arial"/>
-              </a:rPr>
-              <a:t> Stop</a:t>
-            </a:r>
-            <a:r>
-              <a:rPr lang="en-CA" sz="3000" dirty="0">
-                <a:solidFill>
-                  <a:srgbClr val="000000"/>
-                </a:solidFill>
-                <a:latin typeface="Arial"/>
-                <a:ea typeface="Arial"/>
-              </a:rPr>
-              <a:t>, queue</a:t>
+              <a:rPr lang="en-CA" dirty="0">
+                <a:solidFill>
+                  <a:srgbClr val="000000"/>
+                </a:solidFill>
+                <a:latin typeface="Arial"/>
+                <a:ea typeface="Arial"/>
+              </a:rPr>
+              <a:t>Tabbed content</a:t>
             </a:r>
             <a:endParaRPr dirty="0"/>
           </a:p>
@@ -6275,24 +6019,74 @@
               <a:buChar char="●"/>
             </a:pPr>
             <a:r>
-              <a:rPr lang="en-CA" sz="3000" dirty="0" smtClean="0">
-                <a:solidFill>
-                  <a:srgbClr val="000000"/>
-                </a:solidFill>
-                <a:latin typeface="Arial"/>
-                <a:ea typeface="Arial"/>
-              </a:rPr>
-              <a:t> Load</a:t>
-            </a:r>
-            <a:r>
-              <a:rPr lang="en-CA" sz="3000" dirty="0">
-                <a:solidFill>
-                  <a:srgbClr val="000000"/>
-                </a:solidFill>
-                <a:latin typeface="Arial"/>
-                <a:ea typeface="Arial"/>
-              </a:rPr>
-              <a:t>, resize, scroll, drag</a:t>
+              <a:rPr lang="en-CA" dirty="0">
+                <a:solidFill>
+                  <a:srgbClr val="000000"/>
+                </a:solidFill>
+                <a:latin typeface="Arial"/>
+                <a:ea typeface="Arial"/>
+              </a:rPr>
+              <a:t>Form validation</a:t>
+            </a:r>
+            <a:endParaRPr dirty="0"/>
+          </a:p>
+          <a:p>
+            <a:pPr>
+              <a:lnSpc>
+                <a:spcPct val="112000"/>
+              </a:lnSpc>
+              <a:buFont typeface="Arial"/>
+              <a:buChar char="●"/>
+            </a:pPr>
+            <a:r>
+              <a:rPr lang="en-CA" dirty="0">
+                <a:solidFill>
+                  <a:srgbClr val="000000"/>
+                </a:solidFill>
+                <a:latin typeface="Arial"/>
+                <a:ea typeface="Arial"/>
+              </a:rPr>
+              <a:t>Scrolling or sliding text, for example, news tickers</a:t>
+            </a:r>
+            <a:endParaRPr dirty="0"/>
+          </a:p>
+          <a:p>
+            <a:pPr>
+              <a:lnSpc>
+                <a:spcPct val="112000"/>
+              </a:lnSpc>
+              <a:buFont typeface="Arial"/>
+              <a:buChar char="●"/>
+            </a:pPr>
+            <a:r>
+              <a:rPr lang="en-CA" dirty="0">
+                <a:solidFill>
+                  <a:srgbClr val="000000"/>
+                </a:solidFill>
+                <a:latin typeface="Arial"/>
+                <a:ea typeface="Arial"/>
+              </a:rPr>
+              <a:t>Accordion effects</a:t>
+            </a:r>
+            <a:endParaRPr dirty="0"/>
+          </a:p>
+          <a:p>
+            <a:pPr>
+              <a:lnSpc>
+                <a:spcPct val="112000"/>
+              </a:lnSpc>
+              <a:buFont typeface="Arial"/>
+              <a:buChar char="●"/>
+            </a:pPr>
+            <a:r>
+              <a:rPr lang="en-CA" dirty="0">
+                <a:solidFill>
+                  <a:srgbClr val="000000"/>
+                </a:solidFill>
+                <a:latin typeface="Arial"/>
+                <a:ea typeface="Arial"/>
+              </a:rPr>
+              <a:t>Tool tips</a:t>
             </a:r>
             <a:endParaRPr dirty="0"/>
           </a:p>
@@ -6303,6 +6097,186 @@
               </a:lnSpc>
             </a:pPr>
             <a:endParaRPr dirty="0"/>
+          </a:p>
+        </p:txBody>
+      </p:sp>
+      <p:sp>
+        <p:nvSpPr>
+          <p:cNvPr id="129" name="TextShape 3"/>
+          <p:cNvSpPr txBox="1"/>
+          <p:nvPr/>
+        </p:nvSpPr>
+        <p:spPr>
+          <a:xfrm>
+            <a:off x="4692240" y="1200240"/>
+            <a:ext cx="3994200" cy="3725280"/>
+          </a:xfrm>
+          <a:prstGeom prst="rect">
+            <a:avLst/>
+          </a:prstGeom>
+        </p:spPr>
+        <p:txBody>
+          <a:bodyPr tIns="91440" bIns="91440"/>
+          <a:lstStyle/>
+          <a:p>
+            <a:pPr>
+              <a:lnSpc>
+                <a:spcPct val="112000"/>
+              </a:lnSpc>
+              <a:buFont typeface="Arial"/>
+              <a:buChar char="●"/>
+            </a:pPr>
+            <a:r>
+              <a:rPr lang="en-CA">
+                <a:solidFill>
+                  <a:srgbClr val="000000"/>
+                </a:solidFill>
+                <a:latin typeface="Arial"/>
+                <a:ea typeface="Arial"/>
+              </a:rPr>
+              <a:t>Roll-over effects and animations</a:t>
+            </a:r>
+            <a:endParaRPr/>
+          </a:p>
+          <a:p>
+            <a:pPr>
+              <a:lnSpc>
+                <a:spcPct val="112000"/>
+              </a:lnSpc>
+              <a:buFont typeface="Arial"/>
+              <a:buChar char="●"/>
+            </a:pPr>
+            <a:r>
+              <a:rPr lang="en-CA">
+                <a:solidFill>
+                  <a:srgbClr val="000000"/>
+                </a:solidFill>
+                <a:latin typeface="Arial"/>
+                <a:ea typeface="Arial"/>
+              </a:rPr>
+              <a:t>Interactive maps</a:t>
+            </a:r>
+            <a:endParaRPr/>
+          </a:p>
+          <a:p>
+            <a:pPr>
+              <a:lnSpc>
+                <a:spcPct val="112000"/>
+              </a:lnSpc>
+              <a:buFont typeface="Arial"/>
+              <a:buChar char="●"/>
+            </a:pPr>
+            <a:r>
+              <a:rPr lang="en-CA">
+                <a:solidFill>
+                  <a:srgbClr val="000000"/>
+                </a:solidFill>
+                <a:latin typeface="Arial"/>
+                <a:ea typeface="Arial"/>
+              </a:rPr>
+              <a:t>Fancy menus and navigations</a:t>
+            </a:r>
+            <a:endParaRPr/>
+          </a:p>
+          <a:p>
+            <a:pPr>
+              <a:lnSpc>
+                <a:spcPct val="112000"/>
+              </a:lnSpc>
+              <a:buFont typeface="Arial"/>
+              <a:buChar char="●"/>
+            </a:pPr>
+            <a:r>
+              <a:rPr lang="en-CA">
+                <a:solidFill>
+                  <a:srgbClr val="000000"/>
+                </a:solidFill>
+                <a:latin typeface="Arial"/>
+                <a:ea typeface="Arial"/>
+              </a:rPr>
+              <a:t>Advanced animations</a:t>
+            </a:r>
+            <a:endParaRPr/>
+          </a:p>
+          <a:p>
+            <a:pPr>
+              <a:lnSpc>
+                <a:spcPct val="112000"/>
+              </a:lnSpc>
+              <a:buFont typeface="Arial"/>
+              <a:buChar char="●"/>
+            </a:pPr>
+            <a:r>
+              <a:rPr lang="en-CA">
+                <a:solidFill>
+                  <a:srgbClr val="000000"/>
+                </a:solidFill>
+                <a:latin typeface="Arial"/>
+                <a:ea typeface="Arial"/>
+              </a:rPr>
+              <a:t>Charts</a:t>
+            </a:r>
+            <a:endParaRPr/>
+          </a:p>
+          <a:p>
+            <a:pPr>
+              <a:lnSpc>
+                <a:spcPct val="112000"/>
+              </a:lnSpc>
+              <a:buFont typeface="Arial"/>
+              <a:buChar char="●"/>
+            </a:pPr>
+            <a:r>
+              <a:rPr lang="en-CA">
+                <a:solidFill>
+                  <a:srgbClr val="000000"/>
+                </a:solidFill>
+                <a:latin typeface="Arial"/>
+                <a:ea typeface="Arial"/>
+              </a:rPr>
+              <a:t>Small WYSIWYG editors</a:t>
+            </a:r>
+            <a:endParaRPr/>
+          </a:p>
+          <a:p>
+            <a:pPr>
+              <a:lnSpc>
+                <a:spcPct val="112000"/>
+              </a:lnSpc>
+              <a:buFont typeface="Arial"/>
+              <a:buChar char="●"/>
+            </a:pPr>
+            <a:r>
+              <a:rPr lang="en-CA">
+                <a:solidFill>
+                  <a:srgbClr val="000000"/>
+                </a:solidFill>
+                <a:latin typeface="Arial"/>
+                <a:ea typeface="Arial"/>
+              </a:rPr>
+              <a:t>Music and video players</a:t>
+            </a:r>
+            <a:endParaRPr/>
+          </a:p>
+          <a:p>
+            <a:pPr>
+              <a:lnSpc>
+                <a:spcPct val="112000"/>
+              </a:lnSpc>
+              <a:buFont typeface="Arial"/>
+              <a:buChar char="●"/>
+            </a:pPr>
+            <a:r>
+              <a:rPr lang="en-CA">
+                <a:solidFill>
+                  <a:srgbClr val="000000"/>
+                </a:solidFill>
+                <a:latin typeface="Arial"/>
+                <a:ea typeface="Arial"/>
+              </a:rPr>
+              <a:t>Background image animations</a:t>
+            </a:r>
+            <a:endParaRPr/>
           </a:p>
         </p:txBody>
       </p:sp>
@@ -6360,7 +6334,7 @@
       </p:grpSpPr>
       <p:sp>
         <p:nvSpPr>
-          <p:cNvPr id="127" name="TextShape 1"/>
+          <p:cNvPr id="130" name="TextShape 1"/>
           <p:cNvSpPr txBox="1"/>
           <p:nvPr/>
         </p:nvSpPr>
@@ -6390,22 +6364,22 @@
                 <a:latin typeface="Arial"/>
                 <a:ea typeface="Arial"/>
               </a:rPr>
-              <a:t>Usages</a:t>
-            </a:r>
-            <a:endParaRPr/>
-          </a:p>
-        </p:txBody>
-      </p:sp>
-      <p:sp>
-        <p:nvSpPr>
-          <p:cNvPr id="128" name="TextShape 2"/>
+              <a:t>Advantages of jQuery</a:t>
+            </a:r>
+            <a:endParaRPr/>
+          </a:p>
+        </p:txBody>
+      </p:sp>
+      <p:sp>
+        <p:nvSpPr>
+          <p:cNvPr id="131" name="TextShape 2"/>
           <p:cNvSpPr txBox="1"/>
           <p:nvPr/>
         </p:nvSpPr>
         <p:spPr>
           <a:xfrm>
             <a:off x="457200" y="1200240"/>
-            <a:ext cx="3994200" cy="3725280"/>
+            <a:ext cx="8229240" cy="3725280"/>
           </a:xfrm>
           <a:prstGeom prst="rect">
             <a:avLst/>
@@ -6414,353 +6388,223 @@
         <p:txBody>
           <a:bodyPr tIns="91440" bIns="91440"/>
           <a:lstStyle/>
-          <a:p>
-            <a:pPr>
-              <a:lnSpc>
-                <a:spcPct val="112000"/>
-              </a:lnSpc>
-              <a:buFont typeface="Arial"/>
-              <a:buChar char="●"/>
-            </a:pPr>
-            <a:r>
-              <a:rPr lang="en-CA">
-                <a:solidFill>
-                  <a:srgbClr val="000000"/>
-                </a:solidFill>
-                <a:latin typeface="Arial"/>
-                <a:ea typeface="Arial"/>
-              </a:rPr>
-              <a:t>Photo slideshows</a:t>
-            </a:r>
-            <a:endParaRPr/>
-          </a:p>
-          <a:p>
-            <a:pPr>
-              <a:lnSpc>
-                <a:spcPct val="112000"/>
-              </a:lnSpc>
-              <a:buFont typeface="Arial"/>
-              <a:buChar char="●"/>
-            </a:pPr>
-            <a:r>
-              <a:rPr lang="en-CA">
-                <a:solidFill>
-                  <a:srgbClr val="000000"/>
-                </a:solidFill>
-                <a:latin typeface="Arial"/>
-                <a:ea typeface="Arial"/>
-              </a:rPr>
-              <a:t>Photo galleries</a:t>
-            </a:r>
-            <a:endParaRPr/>
-          </a:p>
-          <a:p>
-            <a:pPr>
-              <a:lnSpc>
-                <a:spcPct val="112000"/>
-              </a:lnSpc>
-              <a:buFont typeface="Arial"/>
-              <a:buChar char="●"/>
-            </a:pPr>
-            <a:r>
-              <a:rPr lang="en-CA">
-                <a:solidFill>
-                  <a:srgbClr val="000000"/>
-                </a:solidFill>
-                <a:latin typeface="Arial"/>
-                <a:ea typeface="Arial"/>
-              </a:rPr>
-              <a:t>Manipulating images by cropping and resizing</a:t>
-            </a:r>
-            <a:endParaRPr/>
-          </a:p>
-          <a:p>
-            <a:pPr>
-              <a:lnSpc>
-                <a:spcPct val="112000"/>
-              </a:lnSpc>
-              <a:buFont typeface="Arial"/>
-              <a:buChar char="●"/>
-            </a:pPr>
-            <a:r>
-              <a:rPr lang="en-CA">
-                <a:solidFill>
-                  <a:srgbClr val="000000"/>
-                </a:solidFill>
-                <a:latin typeface="Arial"/>
-                <a:ea typeface="Arial"/>
-              </a:rPr>
-              <a:t>Tabbed content</a:t>
-            </a:r>
-            <a:endParaRPr/>
-          </a:p>
-          <a:p>
-            <a:pPr>
-              <a:lnSpc>
-                <a:spcPct val="112000"/>
-              </a:lnSpc>
-              <a:buFont typeface="Arial"/>
-              <a:buChar char="●"/>
-            </a:pPr>
-            <a:r>
-              <a:rPr lang="en-CA">
-                <a:solidFill>
-                  <a:srgbClr val="000000"/>
-                </a:solidFill>
-                <a:latin typeface="Arial"/>
-                <a:ea typeface="Arial"/>
-              </a:rPr>
-              <a:t>Form validation</a:t>
-            </a:r>
-            <a:endParaRPr/>
-          </a:p>
-          <a:p>
-            <a:pPr>
-              <a:lnSpc>
-                <a:spcPct val="112000"/>
-              </a:lnSpc>
-              <a:buFont typeface="Arial"/>
-              <a:buChar char="●"/>
-            </a:pPr>
-            <a:r>
-              <a:rPr lang="en-CA">
-                <a:solidFill>
-                  <a:srgbClr val="000000"/>
-                </a:solidFill>
-                <a:latin typeface="Arial"/>
-                <a:ea typeface="Arial"/>
-              </a:rPr>
-              <a:t>Scrolling or sliding text, for example, news tickers</a:t>
-            </a:r>
-            <a:endParaRPr/>
-          </a:p>
-          <a:p>
-            <a:pPr>
-              <a:lnSpc>
-                <a:spcPct val="112000"/>
-              </a:lnSpc>
-              <a:buFont typeface="Arial"/>
-              <a:buChar char="●"/>
-            </a:pPr>
-            <a:r>
-              <a:rPr lang="en-CA">
-                <a:solidFill>
-                  <a:srgbClr val="000000"/>
-                </a:solidFill>
-                <a:latin typeface="Arial"/>
-                <a:ea typeface="Arial"/>
-              </a:rPr>
-              <a:t>Accordion effects</a:t>
-            </a:r>
-            <a:endParaRPr/>
-          </a:p>
-          <a:p>
-            <a:pPr>
-              <a:lnSpc>
-                <a:spcPct val="112000"/>
-              </a:lnSpc>
-              <a:buFont typeface="Arial"/>
-              <a:buChar char="●"/>
-            </a:pPr>
-            <a:r>
-              <a:rPr lang="en-CA">
-                <a:solidFill>
-                  <a:srgbClr val="000000"/>
-                </a:solidFill>
-                <a:latin typeface="Arial"/>
-                <a:ea typeface="Arial"/>
-              </a:rPr>
-              <a:t>Tool tips</a:t>
-            </a:r>
-            <a:endParaRPr/>
-          </a:p>
           <a:p>
             <a:pPr>
               <a:lnSpc>
                 <a:spcPct val="100000"/>
               </a:lnSpc>
             </a:pPr>
-            <a:endParaRPr/>
-          </a:p>
-        </p:txBody>
-      </p:sp>
-      <p:sp>
-        <p:nvSpPr>
-          <p:cNvPr id="129" name="TextShape 3"/>
-          <p:cNvSpPr txBox="1"/>
-          <p:nvPr/>
-        </p:nvSpPr>
-        <p:spPr>
-          <a:xfrm>
-            <a:off x="4692240" y="1200240"/>
-            <a:ext cx="3994200" cy="3725280"/>
-          </a:xfrm>
-          <a:prstGeom prst="rect">
-            <a:avLst/>
-          </a:prstGeom>
-        </p:spPr>
-        <p:txBody>
-          <a:bodyPr tIns="91440" bIns="91440"/>
-          <a:lstStyle/>
+            <a:endParaRPr dirty="0" smtClean="0">
+              <a:solidFill>
+                <a:srgbClr val="FF0000"/>
+              </a:solidFill>
+            </a:endParaRPr>
+          </a:p>
           <a:p>
             <a:pPr>
               <a:lnSpc>
-                <a:spcPct val="112000"/>
+                <a:spcPct val="100000"/>
               </a:lnSpc>
               <a:buFont typeface="Arial"/>
               <a:buChar char="●"/>
             </a:pPr>
             <a:r>
-              <a:rPr lang="en-CA">
-                <a:solidFill>
-                  <a:srgbClr val="000000"/>
-                </a:solidFill>
-                <a:latin typeface="Arial"/>
-                <a:ea typeface="Arial"/>
-              </a:rPr>
-              <a:t>Roll-over effects and animations</a:t>
-            </a:r>
-            <a:endParaRPr/>
+              <a:rPr lang="en-CA" sz="3000" dirty="0" smtClean="0">
+                <a:solidFill>
+                  <a:srgbClr val="000000"/>
+                </a:solidFill>
+                <a:latin typeface="Arial"/>
+                <a:ea typeface="Arial"/>
+              </a:rPr>
+              <a:t> Large library &amp; </a:t>
+            </a:r>
+            <a:r>
+              <a:rPr lang="en-CA" sz="3000" dirty="0">
+                <a:solidFill>
+                  <a:srgbClr val="000000"/>
+                </a:solidFill>
+                <a:latin typeface="Arial"/>
+                <a:ea typeface="Arial"/>
+              </a:rPr>
+              <a:t>easily E</a:t>
+            </a:r>
+            <a:r>
+              <a:rPr lang="en-CA" sz="3000" dirty="0" smtClean="0">
+                <a:solidFill>
+                  <a:srgbClr val="000000"/>
+                </a:solidFill>
+                <a:latin typeface="Arial"/>
+                <a:ea typeface="Arial"/>
+              </a:rPr>
+              <a:t>xtensible </a:t>
+            </a:r>
+            <a:r>
+              <a:rPr lang="en-CA" sz="3000" dirty="0">
+                <a:solidFill>
+                  <a:srgbClr val="000000"/>
+                </a:solidFill>
+                <a:latin typeface="Arial"/>
+                <a:ea typeface="Arial"/>
+              </a:rPr>
+              <a:t>with </a:t>
+            </a:r>
+            <a:r>
+              <a:rPr lang="en-CA" sz="3000" dirty="0" smtClean="0">
+                <a:solidFill>
+                  <a:srgbClr val="000000"/>
+                </a:solidFill>
+                <a:latin typeface="Arial"/>
+                <a:ea typeface="Arial"/>
+              </a:rPr>
+              <a:t>Plug-ins</a:t>
+            </a:r>
+            <a:endParaRPr lang="en-CA" sz="3000" dirty="0" smtClean="0">
+              <a:solidFill>
+                <a:srgbClr val="000000"/>
+              </a:solidFill>
+              <a:latin typeface="Arial"/>
+              <a:ea typeface="Arial"/>
+            </a:endParaRPr>
           </a:p>
           <a:p>
             <a:pPr>
               <a:lnSpc>
-                <a:spcPct val="112000"/>
+                <a:spcPct val="100000"/>
               </a:lnSpc>
               <a:buFont typeface="Arial"/>
               <a:buChar char="●"/>
             </a:pPr>
             <a:r>
-              <a:rPr lang="en-CA">
-                <a:solidFill>
-                  <a:srgbClr val="000000"/>
-                </a:solidFill>
-                <a:latin typeface="Arial"/>
-                <a:ea typeface="Arial"/>
-              </a:rPr>
-              <a:t>Interactive maps</a:t>
-            </a:r>
-            <a:endParaRPr/>
+              <a:rPr lang="en-CA" sz="3000" dirty="0" smtClean="0">
+                <a:solidFill>
+                  <a:srgbClr val="000000"/>
+                </a:solidFill>
+                <a:latin typeface="Arial"/>
+                <a:ea typeface="Arial"/>
+              </a:rPr>
+              <a:t> Strong </a:t>
+            </a:r>
+            <a:r>
+              <a:rPr lang="en-CA" sz="3000" dirty="0">
+                <a:solidFill>
+                  <a:srgbClr val="000000"/>
+                </a:solidFill>
+                <a:latin typeface="Arial"/>
+                <a:ea typeface="Arial"/>
+              </a:rPr>
+              <a:t>open source community</a:t>
+            </a:r>
+            <a:endParaRPr dirty="0"/>
           </a:p>
           <a:p>
             <a:pPr>
               <a:lnSpc>
-                <a:spcPct val="112000"/>
+                <a:spcPct val="100000"/>
               </a:lnSpc>
               <a:buFont typeface="Arial"/>
               <a:buChar char="●"/>
             </a:pPr>
             <a:r>
-              <a:rPr lang="en-CA">
-                <a:solidFill>
-                  <a:srgbClr val="000000"/>
-                </a:solidFill>
-                <a:latin typeface="Arial"/>
-                <a:ea typeface="Arial"/>
-              </a:rPr>
-              <a:t>Fancy menus and navigations</a:t>
-            </a:r>
-            <a:endParaRPr/>
+              <a:rPr lang="en-CA" sz="3000" dirty="0" smtClean="0">
+                <a:solidFill>
+                  <a:srgbClr val="000000"/>
+                </a:solidFill>
+                <a:latin typeface="Arial"/>
+                <a:ea typeface="Arial"/>
+              </a:rPr>
+              <a:t> Great </a:t>
+            </a:r>
+            <a:r>
+              <a:rPr lang="en-CA" sz="3000" dirty="0">
+                <a:solidFill>
+                  <a:srgbClr val="000000"/>
+                </a:solidFill>
+                <a:latin typeface="Arial"/>
+                <a:ea typeface="Arial"/>
+              </a:rPr>
+              <a:t>documentation and tutorials</a:t>
+            </a:r>
+            <a:endParaRPr dirty="0"/>
           </a:p>
           <a:p>
             <a:pPr>
               <a:lnSpc>
-                <a:spcPct val="112000"/>
+                <a:spcPct val="100000"/>
               </a:lnSpc>
               <a:buFont typeface="Arial"/>
               <a:buChar char="●"/>
             </a:pPr>
             <a:r>
-              <a:rPr lang="en-CA">
-                <a:solidFill>
-                  <a:srgbClr val="000000"/>
-                </a:solidFill>
-                <a:latin typeface="Arial"/>
-                <a:ea typeface="Arial"/>
-              </a:rPr>
-              <a:t>Advanced animations</a:t>
-            </a:r>
-            <a:endParaRPr/>
+              <a:rPr lang="en-CA" sz="3000" dirty="0" smtClean="0">
+                <a:solidFill>
+                  <a:srgbClr val="000000"/>
+                </a:solidFill>
+                <a:latin typeface="Arial"/>
+                <a:ea typeface="Arial"/>
+              </a:rPr>
+              <a:t> Ajax </a:t>
+            </a:r>
+            <a:r>
+              <a:rPr lang="en-CA" sz="3000" dirty="0">
+                <a:solidFill>
+                  <a:srgbClr val="000000"/>
+                </a:solidFill>
+                <a:latin typeface="Arial"/>
+                <a:ea typeface="Arial"/>
+              </a:rPr>
+              <a:t>support</a:t>
+            </a:r>
+            <a:endParaRPr dirty="0"/>
           </a:p>
           <a:p>
             <a:pPr>
               <a:lnSpc>
-                <a:spcPct val="112000"/>
+                <a:spcPct val="100000"/>
               </a:lnSpc>
               <a:buFont typeface="Arial"/>
               <a:buChar char="●"/>
             </a:pPr>
             <a:r>
-              <a:rPr lang="en-CA">
-                <a:solidFill>
-                  <a:srgbClr val="000000"/>
-                </a:solidFill>
-                <a:latin typeface="Arial"/>
-                <a:ea typeface="Arial"/>
-              </a:rPr>
-              <a:t>Charts</a:t>
-            </a:r>
-            <a:endParaRPr/>
+              <a:rPr lang="en-CA" sz="3000" dirty="0" smtClean="0">
+                <a:solidFill>
+                  <a:srgbClr val="000000"/>
+                </a:solidFill>
+                <a:latin typeface="Arial"/>
+                <a:ea typeface="Arial"/>
+              </a:rPr>
+              <a:t> Cross-browser </a:t>
+            </a:r>
+            <a:r>
+              <a:rPr lang="en-CA" sz="3000" dirty="0">
+                <a:solidFill>
+                  <a:srgbClr val="000000"/>
+                </a:solidFill>
+                <a:latin typeface="Arial"/>
+                <a:ea typeface="Arial"/>
+              </a:rPr>
+              <a:t>compatibility</a:t>
+            </a:r>
+            <a:endParaRPr dirty="0"/>
           </a:p>
           <a:p>
             <a:pPr>
               <a:lnSpc>
-                <a:spcPct val="112000"/>
+                <a:spcPct val="100000"/>
               </a:lnSpc>
               <a:buFont typeface="Arial"/>
               <a:buChar char="●"/>
             </a:pPr>
             <a:r>
-              <a:rPr lang="en-CA">
-                <a:solidFill>
-                  <a:srgbClr val="000000"/>
-                </a:solidFill>
-                <a:latin typeface="Arial"/>
-                <a:ea typeface="Arial"/>
-              </a:rPr>
-              <a:t>Small WYSIWYG editors</a:t>
-            </a:r>
-            <a:endParaRPr/>
-          </a:p>
-          <a:p>
-            <a:pPr>
-              <a:lnSpc>
-                <a:spcPct val="112000"/>
-              </a:lnSpc>
-              <a:buFont typeface="Arial"/>
-              <a:buChar char="●"/>
-            </a:pPr>
-            <a:r>
-              <a:rPr lang="en-CA">
-                <a:solidFill>
-                  <a:srgbClr val="000000"/>
-                </a:solidFill>
-                <a:latin typeface="Arial"/>
-                <a:ea typeface="Arial"/>
-              </a:rPr>
-              <a:t>Music and video players</a:t>
-            </a:r>
-            <a:endParaRPr/>
-          </a:p>
-          <a:p>
-            <a:pPr>
-              <a:lnSpc>
-                <a:spcPct val="112000"/>
-              </a:lnSpc>
-              <a:buFont typeface="Arial"/>
-              <a:buChar char="●"/>
-            </a:pPr>
-            <a:r>
-              <a:rPr lang="en-CA">
-                <a:solidFill>
-                  <a:srgbClr val="000000"/>
-                </a:solidFill>
-                <a:latin typeface="Arial"/>
-                <a:ea typeface="Arial"/>
-              </a:rPr>
-              <a:t>Background image animations</a:t>
-            </a:r>
-            <a:endParaRPr/>
+              <a:rPr lang="en-CA" sz="3000" dirty="0" smtClean="0">
+                <a:solidFill>
+                  <a:srgbClr val="000000"/>
+                </a:solidFill>
+                <a:latin typeface="Arial"/>
+                <a:ea typeface="Arial"/>
+              </a:rPr>
+              <a:t> Client-side, so reduces latency</a:t>
+            </a:r>
+            <a:endParaRPr dirty="0"/>
           </a:p>
         </p:txBody>
       </p:sp>
@@ -6818,7 +6662,7 @@
       </p:grpSpPr>
       <p:sp>
         <p:nvSpPr>
-          <p:cNvPr id="130" name="TextShape 1"/>
+          <p:cNvPr id="132" name="TextShape 1"/>
           <p:cNvSpPr txBox="1"/>
           <p:nvPr/>
         </p:nvSpPr>
@@ -6848,15 +6692,15 @@
                 <a:latin typeface="Arial"/>
                 <a:ea typeface="Arial"/>
               </a:rPr>
-              <a:t>Advantages of jQuery</a:t>
-            </a:r>
-            <a:endParaRPr/>
-          </a:p>
-        </p:txBody>
-      </p:sp>
-      <p:sp>
-        <p:nvSpPr>
-          <p:cNvPr id="131" name="TextShape 2"/>
+              <a:t>Disadvantages of jQuery</a:t>
+            </a:r>
+            <a:endParaRPr/>
+          </a:p>
+        </p:txBody>
+      </p:sp>
+      <p:sp>
+        <p:nvSpPr>
+          <p:cNvPr id="133" name="TextShape 2"/>
           <p:cNvSpPr txBox="1"/>
           <p:nvPr/>
         </p:nvSpPr>
@@ -6881,16 +6725,44 @@
               <a:buChar char="●"/>
             </a:pPr>
             <a:r>
-              <a:rPr lang="en-CA" sz="3000" dirty="0" smtClean="0">
-                <a:solidFill>
-                  <a:srgbClr val="000000"/>
-                </a:solidFill>
-                <a:latin typeface="Arial"/>
-                <a:ea typeface="Arial"/>
-              </a:rPr>
-              <a:t> Helps separate JS code from HTML markup</a:t>
-            </a:r>
-            <a:endParaRPr dirty="0"/>
+              <a:rPr lang="en-CA" sz="2800" dirty="0" smtClean="0">
+                <a:solidFill>
+                  <a:srgbClr val="000000"/>
+                </a:solidFill>
+                <a:latin typeface="Arial"/>
+                <a:ea typeface="Arial"/>
+              </a:rPr>
+              <a:t> Functionality </a:t>
+            </a:r>
+            <a:r>
+              <a:rPr lang="en-CA" sz="2800" dirty="0">
+                <a:solidFill>
+                  <a:srgbClr val="000000"/>
+                </a:solidFill>
+                <a:latin typeface="Arial"/>
+                <a:ea typeface="Arial"/>
+              </a:rPr>
+              <a:t>may be </a:t>
+            </a:r>
+            <a:r>
+              <a:rPr lang="en-CA" sz="2800" dirty="0" smtClean="0">
+                <a:solidFill>
+                  <a:srgbClr val="000000"/>
+                </a:solidFill>
+                <a:latin typeface="Arial"/>
+                <a:ea typeface="Arial"/>
+              </a:rPr>
+              <a:t>limited depending on </a:t>
+            </a:r>
+            <a:r>
+              <a:rPr lang="en-CA" sz="2800" dirty="0" smtClean="0">
+                <a:solidFill>
+                  <a:srgbClr val="000000"/>
+                </a:solidFill>
+                <a:latin typeface="Arial"/>
+              </a:rPr>
+              <a:t>amount of customization </a:t>
+            </a:r>
           </a:p>
           <a:p>
             <a:pPr>
@@ -6900,57 +6772,68 @@
               <a:buFont typeface="Arial"/>
               <a:buChar char="●"/>
             </a:pPr>
-            <a:r>
-              <a:rPr lang="en-CA" sz="3000" dirty="0" smtClean="0">
-                <a:solidFill>
-                  <a:srgbClr val="000000"/>
-                </a:solidFill>
-                <a:latin typeface="Arial"/>
-                <a:ea typeface="Arial"/>
-              </a:rPr>
-              <a:t> Large library &amp; </a:t>
-            </a:r>
-            <a:r>
-              <a:rPr lang="en-CA" sz="3000" dirty="0">
-                <a:solidFill>
-                  <a:srgbClr val="000000"/>
-                </a:solidFill>
-                <a:latin typeface="Arial"/>
-                <a:ea typeface="Arial"/>
-              </a:rPr>
-              <a:t>easily E</a:t>
-            </a:r>
-            <a:r>
-              <a:rPr lang="en-CA" sz="3000" dirty="0" smtClean="0">
-                <a:solidFill>
-                  <a:srgbClr val="000000"/>
-                </a:solidFill>
-                <a:latin typeface="Arial"/>
-                <a:ea typeface="Arial"/>
-              </a:rPr>
-              <a:t>xtensible </a:t>
-            </a:r>
-            <a:r>
-              <a:rPr lang="en-CA" sz="3000" dirty="0">
-                <a:solidFill>
-                  <a:srgbClr val="000000"/>
-                </a:solidFill>
-                <a:latin typeface="Arial"/>
-                <a:ea typeface="Arial"/>
-              </a:rPr>
-              <a:t>with </a:t>
-            </a:r>
-            <a:r>
-              <a:rPr lang="en-CA" sz="3000" dirty="0" err="1" smtClean="0">
-                <a:solidFill>
-                  <a:srgbClr val="000000"/>
-                </a:solidFill>
-                <a:latin typeface="Arial"/>
-                <a:ea typeface="Arial"/>
-              </a:rPr>
-              <a:t>Plugins</a:t>
-            </a:r>
-            <a:endParaRPr lang="en-CA" sz="3000" dirty="0" smtClean="0">
+            <a:endParaRPr lang="en-CA" sz="2800" dirty="0" smtClean="0">
+              <a:solidFill>
+                <a:srgbClr val="000000"/>
+              </a:solidFill>
+              <a:latin typeface="Arial"/>
+            </a:endParaRPr>
+          </a:p>
+          <a:p>
+            <a:pPr>
+              <a:lnSpc>
+                <a:spcPct val="100000"/>
+              </a:lnSpc>
+              <a:buFont typeface="Arial"/>
+              <a:buChar char="●"/>
+            </a:pPr>
+            <a:r>
+              <a:rPr lang="en-CA" sz="2800" dirty="0">
+                <a:solidFill>
+                  <a:srgbClr val="000000"/>
+                </a:solidFill>
+                <a:latin typeface="Arial"/>
+                <a:ea typeface="Arial"/>
+              </a:rPr>
+              <a:t> </a:t>
+            </a:r>
+            <a:r>
+              <a:rPr lang="en-CA" sz="2800" dirty="0" smtClean="0">
+                <a:solidFill>
+                  <a:srgbClr val="000000"/>
+                </a:solidFill>
+                <a:ea typeface="Arial"/>
+              </a:rPr>
+              <a:t>jQuery JS </a:t>
+            </a:r>
+            <a:r>
+              <a:rPr lang="en-CA" sz="2800" dirty="0" smtClean="0">
+                <a:solidFill>
+                  <a:srgbClr val="000000"/>
+                </a:solidFill>
+                <a:ea typeface="Arial"/>
+              </a:rPr>
+              <a:t>file required – </a:t>
+            </a:r>
+            <a:r>
+              <a:rPr lang="en-CA" sz="2800" dirty="0" smtClean="0">
+                <a:solidFill>
+                  <a:srgbClr val="000000"/>
+                </a:solidFill>
+                <a:sym typeface="Wingdings" pitchFamily="2" charset="2"/>
+              </a:rPr>
+              <a:t>Strain on user &amp; server</a:t>
+            </a:r>
+          </a:p>
+          <a:p>
+            <a:pPr>
+              <a:lnSpc>
+                <a:spcPct val="100000"/>
+              </a:lnSpc>
+              <a:buFont typeface="Arial"/>
+              <a:buChar char="●"/>
+            </a:pPr>
+            <a:endParaRPr lang="en-CA" sz="2800" dirty="0" smtClean="0">
               <a:solidFill>
                 <a:srgbClr val="000000"/>
               </a:solidFill>
@@ -6960,143 +6843,99 @@
           </a:p>
           <a:p>
             <a:pPr>
-              <a:lnSpc>
-                <a:spcPct val="100000"/>
-              </a:lnSpc>
               <a:buFont typeface="Arial"/>
               <a:buChar char="●"/>
             </a:pPr>
             <a:r>
-              <a:rPr lang="en-CA" sz="3000" dirty="0" smtClean="0">
-                <a:solidFill>
-                  <a:srgbClr val="000000"/>
-                </a:solidFill>
-                <a:latin typeface="Arial"/>
-                <a:ea typeface="Arial"/>
-              </a:rPr>
-              <a:t> Strong </a:t>
-            </a:r>
-            <a:r>
-              <a:rPr lang="en-CA" sz="3000" dirty="0">
-                <a:solidFill>
-                  <a:srgbClr val="000000"/>
-                </a:solidFill>
-                <a:latin typeface="Arial"/>
-                <a:ea typeface="Arial"/>
-              </a:rPr>
-              <a:t>open source community</a:t>
-            </a:r>
-            <a:endParaRPr dirty="0"/>
-          </a:p>
-          <a:p>
-            <a:pPr>
-              <a:lnSpc>
-                <a:spcPct val="100000"/>
-              </a:lnSpc>
+              <a:rPr lang="en-CA" sz="2800" dirty="0">
+                <a:solidFill>
+                  <a:srgbClr val="000000"/>
+                </a:solidFill>
+                <a:latin typeface="Arial"/>
+              </a:rPr>
+              <a:t> </a:t>
+            </a:r>
+            <a:r>
+              <a:rPr lang="en-CA" sz="2800" dirty="0" smtClean="0">
+                <a:solidFill>
+                  <a:srgbClr val="000000"/>
+                </a:solidFill>
+                <a:latin typeface="Arial"/>
+              </a:rPr>
+              <a:t>Client-side:</a:t>
+            </a:r>
+          </a:p>
+          <a:p>
+            <a:pPr lvl="1">
               <a:buFont typeface="Arial"/>
               <a:buChar char="●"/>
             </a:pPr>
             <a:r>
-              <a:rPr lang="en-CA" sz="3000" dirty="0" smtClean="0">
-                <a:solidFill>
-                  <a:srgbClr val="000000"/>
-                </a:solidFill>
-                <a:latin typeface="Arial"/>
-                <a:ea typeface="Arial"/>
-              </a:rPr>
-              <a:t> Great </a:t>
-            </a:r>
-            <a:r>
-              <a:rPr lang="en-CA" sz="3000" dirty="0">
-                <a:solidFill>
-                  <a:srgbClr val="000000"/>
-                </a:solidFill>
-                <a:latin typeface="Arial"/>
-                <a:ea typeface="Arial"/>
-              </a:rPr>
-              <a:t>documentation and tutorials</a:t>
-            </a:r>
-            <a:endParaRPr dirty="0"/>
-          </a:p>
-          <a:p>
-            <a:pPr>
-              <a:lnSpc>
-                <a:spcPct val="100000"/>
-              </a:lnSpc>
+              <a:rPr lang="en-CA" sz="2800" dirty="0" smtClean="0">
+                <a:solidFill>
+                  <a:srgbClr val="000000"/>
+                </a:solidFill>
+                <a:ea typeface="Arial"/>
+                <a:sym typeface="Wingdings" pitchFamily="2" charset="2"/>
+              </a:rPr>
+              <a:t> Performance </a:t>
+            </a:r>
+            <a:r>
+              <a:rPr lang="en-CA" sz="2800" dirty="0">
+                <a:solidFill>
+                  <a:srgbClr val="000000"/>
+                </a:solidFill>
+                <a:ea typeface="Arial"/>
+                <a:sym typeface="Wingdings" pitchFamily="2" charset="2"/>
+              </a:rPr>
+              <a:t>depends on user’s </a:t>
+            </a:r>
+            <a:r>
+              <a:rPr lang="en-CA" sz="2800" dirty="0" smtClean="0">
+                <a:solidFill>
+                  <a:srgbClr val="000000"/>
+                </a:solidFill>
+                <a:ea typeface="Arial"/>
+                <a:sym typeface="Wingdings" pitchFamily="2" charset="2"/>
+              </a:rPr>
+              <a:t>PC</a:t>
+            </a:r>
+          </a:p>
+          <a:p>
+            <a:pPr lvl="1">
               <a:buFont typeface="Arial"/>
               <a:buChar char="●"/>
             </a:pPr>
             <a:r>
-              <a:rPr lang="en-CA" sz="3000" dirty="0" smtClean="0">
-                <a:solidFill>
-                  <a:srgbClr val="000000"/>
-                </a:solidFill>
-                <a:latin typeface="Arial"/>
-                <a:ea typeface="Arial"/>
-              </a:rPr>
-              <a:t> Ajax </a:t>
-            </a:r>
-            <a:r>
-              <a:rPr lang="en-CA" sz="3000" dirty="0">
-                <a:solidFill>
-                  <a:srgbClr val="000000"/>
-                </a:solidFill>
-                <a:latin typeface="Arial"/>
-                <a:ea typeface="Arial"/>
-              </a:rPr>
-              <a:t>support</a:t>
-            </a:r>
-            <a:endParaRPr dirty="0"/>
-          </a:p>
-          <a:p>
-            <a:pPr>
-              <a:lnSpc>
-                <a:spcPct val="100000"/>
-              </a:lnSpc>
-              <a:buFont typeface="Arial"/>
-              <a:buChar char="●"/>
-            </a:pPr>
-            <a:r>
-              <a:rPr lang="en-CA" sz="3000" dirty="0" smtClean="0">
-                <a:solidFill>
-                  <a:srgbClr val="000000"/>
-                </a:solidFill>
-                <a:latin typeface="Arial"/>
-                <a:ea typeface="Arial"/>
-              </a:rPr>
-              <a:t> Cross-browser </a:t>
-            </a:r>
-            <a:r>
-              <a:rPr lang="en-CA" sz="3000" dirty="0">
-                <a:solidFill>
-                  <a:srgbClr val="000000"/>
-                </a:solidFill>
-                <a:latin typeface="Arial"/>
-                <a:ea typeface="Arial"/>
-              </a:rPr>
-              <a:t>compatibility</a:t>
-            </a:r>
-            <a:endParaRPr dirty="0"/>
-          </a:p>
-          <a:p>
-            <a:pPr>
-              <a:lnSpc>
-                <a:spcPct val="100000"/>
-              </a:lnSpc>
-              <a:buFont typeface="Arial"/>
-              <a:buChar char="●"/>
-            </a:pPr>
-            <a:r>
-              <a:rPr lang="en-CA" sz="3000" dirty="0" smtClean="0">
-                <a:solidFill>
-                  <a:srgbClr val="000000"/>
-                </a:solidFill>
-                <a:latin typeface="Arial"/>
-                <a:ea typeface="Arial"/>
-              </a:rPr>
-              <a:t> Client-side, so reduces latency</a:t>
-            </a:r>
-            <a:endParaRPr dirty="0"/>
+              <a:rPr lang="en-CA" sz="2800" dirty="0">
+                <a:solidFill>
+                  <a:srgbClr val="000000"/>
+                </a:solidFill>
+                <a:latin typeface="Arial"/>
+                <a:sym typeface="Wingdings" pitchFamily="2" charset="2"/>
+              </a:rPr>
+              <a:t> </a:t>
+            </a:r>
+            <a:r>
+              <a:rPr lang="en-CA" sz="2800" dirty="0" smtClean="0">
+                <a:solidFill>
+                  <a:srgbClr val="000000"/>
+                </a:solidFill>
+                <a:latin typeface="Arial"/>
+                <a:sym typeface="Wingdings" pitchFamily="2" charset="2"/>
+              </a:rPr>
+              <a:t>N</a:t>
+            </a:r>
+            <a:r>
+              <a:rPr lang="en-CA" sz="2800" dirty="0" smtClean="0">
+                <a:solidFill>
+                  <a:srgbClr val="000000"/>
+                </a:solidFill>
+                <a:latin typeface="Arial"/>
+              </a:rPr>
+              <a:t>ot for heavy computation</a:t>
+            </a:r>
+            <a:endParaRPr sz="2800" dirty="0"/>
           </a:p>
         </p:txBody>
       </p:sp>
@@ -7154,7 +6993,7 @@
       </p:grpSpPr>
       <p:sp>
         <p:nvSpPr>
-          <p:cNvPr id="132" name="TextShape 1"/>
+          <p:cNvPr id="134" name="TextShape 1"/>
           <p:cNvSpPr txBox="1"/>
           <p:nvPr/>
         </p:nvSpPr>
@@ -7171,263 +7010,53 @@
           <a:bodyPr tIns="91440" bIns="91440" anchor="b"/>
           <a:lstStyle/>
           <a:p>
-            <a:pPr>
+            <a:endParaRPr/>
+          </a:p>
+        </p:txBody>
+      </p:sp>
+      <p:sp>
+        <p:nvSpPr>
+          <p:cNvPr id="135" name="TextShape 2"/>
+          <p:cNvSpPr txBox="1"/>
+          <p:nvPr/>
+        </p:nvSpPr>
+        <p:spPr>
+          <a:xfrm>
+            <a:off x="457200" y="1200240"/>
+            <a:ext cx="8229240" cy="3725280"/>
+          </a:xfrm>
+          <a:prstGeom prst="rect">
+            <a:avLst/>
+          </a:prstGeom>
+        </p:spPr>
+        <p:txBody>
+          <a:bodyPr tIns="91440" bIns="91440"/>
+          <a:lstStyle/>
+          <a:p>
+            <a:pPr algn="ctr">
               <a:lnSpc>
                 <a:spcPct val="100000"/>
               </a:lnSpc>
             </a:pPr>
-            <a:r>
-              <a:rPr lang="en-CA" sz="3600" b="1">
-                <a:solidFill>
-                  <a:srgbClr val="FFFFFF"/>
-                </a:solidFill>
-                <a:latin typeface="Arial"/>
-                <a:ea typeface="Arial"/>
-              </a:rPr>
-              <a:t>Disadvantages of jQuery</a:t>
-            </a:r>
-            <a:endParaRPr/>
-          </a:p>
-        </p:txBody>
-      </p:sp>
-      <p:sp>
-        <p:nvSpPr>
-          <p:cNvPr id="133" name="TextShape 2"/>
-          <p:cNvSpPr txBox="1"/>
-          <p:nvPr/>
-        </p:nvSpPr>
-        <p:spPr>
-          <a:xfrm>
-            <a:off x="457200" y="1200240"/>
-            <a:ext cx="8229240" cy="3725280"/>
-          </a:xfrm>
-          <a:prstGeom prst="rect">
-            <a:avLst/>
-          </a:prstGeom>
-        </p:spPr>
-        <p:txBody>
-          <a:bodyPr tIns="91440" bIns="91440"/>
-          <a:lstStyle/>
-          <a:p>
-            <a:pPr>
+            <a:endParaRPr/>
+          </a:p>
+          <a:p>
+            <a:pPr algn="ctr">
               <a:lnSpc>
                 <a:spcPct val="100000"/>
               </a:lnSpc>
-              <a:buFont typeface="Arial"/>
-              <a:buChar char="●"/>
-            </a:pPr>
-            <a:r>
-              <a:rPr lang="en-CA" sz="2800" dirty="0" smtClean="0">
-                <a:solidFill>
-                  <a:srgbClr val="000000"/>
-                </a:solidFill>
-                <a:latin typeface="Arial"/>
-                <a:ea typeface="Arial"/>
-              </a:rPr>
-              <a:t> Functionality </a:t>
-            </a:r>
-            <a:r>
-              <a:rPr lang="en-CA" sz="2800" dirty="0">
-                <a:solidFill>
-                  <a:srgbClr val="000000"/>
-                </a:solidFill>
-                <a:latin typeface="Arial"/>
-                <a:ea typeface="Arial"/>
-              </a:rPr>
-              <a:t>may be </a:t>
-            </a:r>
-            <a:r>
-              <a:rPr lang="en-CA" sz="2800" dirty="0" smtClean="0">
-                <a:solidFill>
-                  <a:srgbClr val="000000"/>
-                </a:solidFill>
-                <a:latin typeface="Arial"/>
-                <a:ea typeface="Arial"/>
-              </a:rPr>
-              <a:t>limited depending on </a:t>
-            </a:r>
-            <a:r>
-              <a:rPr lang="en-CA" sz="2800" dirty="0" smtClean="0">
-                <a:solidFill>
-                  <a:srgbClr val="000000"/>
-                </a:solidFill>
-                <a:latin typeface="Arial"/>
-              </a:rPr>
-              <a:t>amount of customization </a:t>
-            </a:r>
-          </a:p>
-          <a:p>
-            <a:pPr>
-              <a:lnSpc>
-                <a:spcPct val="100000"/>
-              </a:lnSpc>
-              <a:buFont typeface="Arial"/>
-              <a:buChar char="●"/>
-            </a:pPr>
-            <a:endParaRPr lang="en-CA" sz="2800" dirty="0" smtClean="0">
-              <a:solidFill>
-                <a:srgbClr val="000000"/>
-              </a:solidFill>
-              <a:latin typeface="Arial"/>
-            </a:endParaRPr>
-          </a:p>
-          <a:p>
-            <a:pPr>
-              <a:lnSpc>
-                <a:spcPct val="100000"/>
-              </a:lnSpc>
-              <a:buFont typeface="Arial"/>
-              <a:buChar char="●"/>
-            </a:pPr>
-            <a:r>
-              <a:rPr lang="en-CA" sz="2800" dirty="0">
-                <a:solidFill>
-                  <a:srgbClr val="000000"/>
-                </a:solidFill>
-                <a:latin typeface="Arial"/>
-                <a:ea typeface="Arial"/>
-              </a:rPr>
-              <a:t> </a:t>
-            </a:r>
-            <a:r>
-              <a:rPr lang="en-CA" sz="2800" dirty="0" err="1" smtClean="0">
-                <a:solidFill>
-                  <a:srgbClr val="000000"/>
-                </a:solidFill>
-                <a:ea typeface="Arial"/>
-              </a:rPr>
-              <a:t>jQuery</a:t>
-            </a:r>
-            <a:r>
-              <a:rPr lang="en-CA" sz="2800" dirty="0" smtClean="0">
-                <a:solidFill>
-                  <a:srgbClr val="000000"/>
-                </a:solidFill>
-                <a:ea typeface="Arial"/>
-              </a:rPr>
-              <a:t> JS file required – </a:t>
-            </a:r>
-            <a:r>
-              <a:rPr lang="en-CA" sz="2800" dirty="0" smtClean="0">
-                <a:solidFill>
-                  <a:srgbClr val="000000"/>
-                </a:solidFill>
-                <a:sym typeface="Wingdings" pitchFamily="2" charset="2"/>
-              </a:rPr>
-              <a:t>Strain on user &amp; server</a:t>
-            </a:r>
-          </a:p>
-          <a:p>
-            <a:pPr>
-              <a:lnSpc>
-                <a:spcPct val="100000"/>
-              </a:lnSpc>
-              <a:buFont typeface="Arial"/>
-              <a:buChar char="●"/>
-            </a:pPr>
-            <a:endParaRPr lang="en-CA" sz="2800" dirty="0" smtClean="0">
-              <a:solidFill>
-                <a:srgbClr val="000000"/>
-              </a:solidFill>
-              <a:latin typeface="Arial"/>
-              <a:ea typeface="Arial"/>
-            </a:endParaRPr>
-          </a:p>
-          <a:p>
-            <a:pPr>
-              <a:buFont typeface="Arial"/>
-              <a:buChar char="●"/>
-            </a:pPr>
-            <a:r>
-              <a:rPr lang="en-CA" sz="2800" dirty="0">
-                <a:solidFill>
-                  <a:srgbClr val="000000"/>
-                </a:solidFill>
-                <a:latin typeface="Arial"/>
-              </a:rPr>
-              <a:t> </a:t>
-            </a:r>
-            <a:r>
-              <a:rPr lang="en-CA" sz="2800" dirty="0" smtClean="0">
-                <a:solidFill>
-                  <a:srgbClr val="000000"/>
-                </a:solidFill>
-                <a:latin typeface="Arial"/>
-              </a:rPr>
-              <a:t>Client-side:</a:t>
-            </a:r>
-          </a:p>
-          <a:p>
-            <a:pPr lvl="1">
-              <a:buFont typeface="Arial"/>
-              <a:buChar char="●"/>
-            </a:pPr>
-            <a:r>
-              <a:rPr lang="en-CA" sz="2800" dirty="0" smtClean="0">
-                <a:solidFill>
-                  <a:srgbClr val="000000"/>
-                </a:solidFill>
-                <a:ea typeface="Arial"/>
-                <a:sym typeface="Wingdings" pitchFamily="2" charset="2"/>
-              </a:rPr>
-              <a:t> Performance </a:t>
-            </a:r>
-            <a:r>
-              <a:rPr lang="en-CA" sz="2800" dirty="0">
-                <a:solidFill>
-                  <a:srgbClr val="000000"/>
-                </a:solidFill>
-                <a:ea typeface="Arial"/>
-                <a:sym typeface="Wingdings" pitchFamily="2" charset="2"/>
-              </a:rPr>
-              <a:t>depends on user’s </a:t>
-            </a:r>
-            <a:r>
-              <a:rPr lang="en-CA" sz="2800" dirty="0" smtClean="0">
-                <a:solidFill>
-                  <a:srgbClr val="000000"/>
-                </a:solidFill>
-                <a:ea typeface="Arial"/>
-                <a:sym typeface="Wingdings" pitchFamily="2" charset="2"/>
-              </a:rPr>
-              <a:t>PC</a:t>
-            </a:r>
-          </a:p>
-          <a:p>
-            <a:pPr lvl="1">
-              <a:buFont typeface="Arial"/>
-              <a:buChar char="●"/>
-            </a:pPr>
-            <a:r>
-              <a:rPr lang="en-CA" sz="2800" dirty="0">
-                <a:solidFill>
-                  <a:srgbClr val="000000"/>
-                </a:solidFill>
-                <a:latin typeface="Arial"/>
-                <a:sym typeface="Wingdings" pitchFamily="2" charset="2"/>
-              </a:rPr>
-              <a:t> </a:t>
-            </a:r>
-            <a:r>
-              <a:rPr lang="en-CA" sz="2800" dirty="0" smtClean="0">
-                <a:solidFill>
-                  <a:srgbClr val="000000"/>
-                </a:solidFill>
-                <a:latin typeface="Arial"/>
-                <a:sym typeface="Wingdings" pitchFamily="2" charset="2"/>
-              </a:rPr>
-              <a:t>N</a:t>
-            </a:r>
-            <a:r>
-              <a:rPr lang="en-CA" sz="2800" dirty="0" smtClean="0">
-                <a:solidFill>
-                  <a:srgbClr val="000000"/>
-                </a:solidFill>
-                <a:latin typeface="Arial"/>
-              </a:rPr>
-              <a:t>ot for heavy computation</a:t>
-            </a:r>
-            <a:endParaRPr sz="2800" dirty="0"/>
+            </a:pPr>
+            <a:r>
+              <a:rPr lang="en-CA" sz="7200">
+                <a:solidFill>
+                  <a:srgbClr val="000000"/>
+                </a:solidFill>
+                <a:latin typeface="Arial"/>
+                <a:ea typeface="Arial"/>
+              </a:rPr>
+              <a:t>DEMO TIME!!</a:t>
+            </a:r>
+            <a:endParaRPr/>
           </a:p>
         </p:txBody>
       </p:sp>
@@ -7485,7 +7114,7 @@
       </p:grpSpPr>
       <p:sp>
         <p:nvSpPr>
-          <p:cNvPr id="134" name="TextShape 1"/>
+          <p:cNvPr id="136" name="TextShape 1"/>
           <p:cNvSpPr txBox="1"/>
           <p:nvPr/>
         </p:nvSpPr>
@@ -7508,7 +7137,7 @@
       </p:sp>
       <p:sp>
         <p:nvSpPr>
-          <p:cNvPr id="135" name="TextShape 2"/>
+          <p:cNvPr id="137" name="TextShape 2"/>
           <p:cNvSpPr txBox="1"/>
           <p:nvPr/>
         </p:nvSpPr>
@@ -7539,14 +7168,14 @@
               </a:lnSpc>
             </a:pPr>
             <a:r>
-              <a:rPr lang="en-CA" sz="7200">
-                <a:solidFill>
-                  <a:srgbClr val="000000"/>
-                </a:solidFill>
-                <a:latin typeface="Arial"/>
-                <a:ea typeface="Arial"/>
-              </a:rPr>
-              <a:t>DEMO TIME!!</a:t>
+              <a:rPr lang="en-CA" sz="6000">
+                <a:solidFill>
+                  <a:srgbClr val="000000"/>
+                </a:solidFill>
+                <a:latin typeface="Arial"/>
+                <a:ea typeface="Arial"/>
+              </a:rPr>
+              <a:t>Any Questions?</a:t>
             </a:r>
             <a:endParaRPr/>
           </a:p>
